--- a/docs/PPT.pptx
+++ b/docs/PPT.pptx
@@ -16700,7 +16700,7 @@
         <p:spPr>
           <a:xfrm>
             <a:off x="1097280" y="1690688"/>
-            <a:ext cx="3618298" cy="923330"/>
+            <a:ext cx="3815080" cy="1198880"/>
           </a:xfrm>
           <a:prstGeom prst="rect">
             <a:avLst/>
@@ -16747,6 +16747,17 @@
             <a:r>
               <a:rPr kumimoji="1" lang="zh-CN" altLang="en-US" dirty="0"/>
               <a:t>的消费方式</a:t>
+            </a:r>
+            <a:endParaRPr kumimoji="1" lang="zh-CN" altLang="en-US" dirty="0"/>
+          </a:p>
+          <a:p>
+            <a:pPr marL="285750" indent="-285750">
+              <a:buFont typeface="Arial" panose="020B0604020202020204" pitchFamily="34" charset="0"/>
+              <a:buChar char="•"/>
+            </a:pPr>
+            <a:r>
+              <a:rPr kumimoji="1" lang="en-US" altLang="zh-CN" dirty="0"/>
+              <a:t>batch</a:t>
             </a:r>
             <a:endParaRPr kumimoji="1" lang="en-US" altLang="zh-CN" dirty="0"/>
           </a:p>
